--- a/slides/Lecture3-01-23-25-Interpolation.pptx
+++ b/slides/Lecture3-01-23-25-Interpolation.pptx
@@ -277,7 +277,7 @@
           <a:p>
             <a:fld id="{961AF02B-09B0-4980-983D-27C0EDB561B5}" type="datetimeFigureOut">
               <a:rPr lang="uk-UA" smtClean="0"/>
-              <a:t>23.01.25</a:t>
+              <a:t>28.01.25</a:t>
             </a:fld>
             <a:endParaRPr lang="uk-UA"/>
           </a:p>
@@ -620,6 +620,90 @@
     <p:extLst>
       <p:ext uri="{BB962C8B-B14F-4D97-AF65-F5344CB8AC3E}">
         <p14:creationId xmlns:p14="http://schemas.microsoft.com/office/powerpoint/2010/main" val="2609027427"/>
+      </p:ext>
+    </p:extLst>
+  </p:cSld>
+  <p:clrMapOvr>
+    <a:masterClrMapping/>
+  </p:clrMapOvr>
+</p:notes>
+</file>
+
+<file path=ppt/notesSlides/notesSlide2.xml><?xml version="1.0" encoding="utf-8"?>
+<p:notes xmlns:a="http://schemas.openxmlformats.org/drawingml/2006/main" xmlns:r="http://schemas.openxmlformats.org/officeDocument/2006/relationships" xmlns:p="http://schemas.openxmlformats.org/presentationml/2006/main">
+  <p:cSld>
+    <p:spTree>
+      <p:nvGrpSpPr>
+        <p:cNvPr id="1" name=""/>
+        <p:cNvGrpSpPr/>
+        <p:nvPr/>
+      </p:nvGrpSpPr>
+      <p:grpSpPr>
+        <a:xfrm>
+          <a:off x="0" y="0"/>
+          <a:ext cx="0" cy="0"/>
+          <a:chOff x="0" y="0"/>
+          <a:chExt cx="0" cy="0"/>
+        </a:xfrm>
+      </p:grpSpPr>
+      <p:sp>
+        <p:nvSpPr>
+          <p:cNvPr id="2" name="Slide Image Placeholder 1"/>
+          <p:cNvSpPr>
+            <a:spLocks noGrp="1" noRot="1" noChangeAspect="1"/>
+          </p:cNvSpPr>
+          <p:nvPr>
+            <p:ph type="sldImg"/>
+          </p:nvPr>
+        </p:nvSpPr>
+        <p:spPr/>
+      </p:sp>
+      <p:sp>
+        <p:nvSpPr>
+          <p:cNvPr id="3" name="Notes Placeholder 2"/>
+          <p:cNvSpPr>
+            <a:spLocks noGrp="1"/>
+          </p:cNvSpPr>
+          <p:nvPr>
+            <p:ph type="body" idx="1"/>
+          </p:nvPr>
+        </p:nvSpPr>
+        <p:spPr/>
+        <p:txBody>
+          <a:bodyPr/>
+          <a:lstStyle/>
+          <a:p>
+            <a:endParaRPr lang="en-US" dirty="0"/>
+          </a:p>
+        </p:txBody>
+      </p:sp>
+      <p:sp>
+        <p:nvSpPr>
+          <p:cNvPr id="4" name="Slide Number Placeholder 3"/>
+          <p:cNvSpPr>
+            <a:spLocks noGrp="1"/>
+          </p:cNvSpPr>
+          <p:nvPr>
+            <p:ph type="sldNum" sz="quarter" idx="5"/>
+          </p:nvPr>
+        </p:nvSpPr>
+        <p:spPr/>
+        <p:txBody>
+          <a:bodyPr/>
+          <a:lstStyle/>
+          <a:p>
+            <a:fld id="{2F0C5EC2-2CF5-460B-AE73-90022B24A426}" type="slidenum">
+              <a:rPr lang="uk-UA" smtClean="0"/>
+              <a:t>21</a:t>
+            </a:fld>
+            <a:endParaRPr lang="uk-UA"/>
+          </a:p>
+        </p:txBody>
+      </p:sp>
+    </p:spTree>
+    <p:extLst>
+      <p:ext uri="{BB962C8B-B14F-4D97-AF65-F5344CB8AC3E}">
+        <p14:creationId xmlns:p14="http://schemas.microsoft.com/office/powerpoint/2010/main" val="3653211136"/>
       </p:ext>
     </p:extLst>
   </p:cSld>
@@ -8613,8 +8697,8 @@
           </a:p>
         </p:txBody>
       </p:sp>
-      <mc:AlternateContent xmlns:mc="http://schemas.openxmlformats.org/markup-compatibility/2006">
-        <mc:Choice xmlns:a14="http://schemas.microsoft.com/office/drawing/2010/main" Requires="a14">
+      <mc:AlternateContent xmlns:mc="http://schemas.openxmlformats.org/markup-compatibility/2006" xmlns:a14="http://schemas.microsoft.com/office/drawing/2010/main">
+        <mc:Choice Requires="a14">
           <p:sp>
             <p:nvSpPr>
               <p:cNvPr id="8" name="TextBox 7">
@@ -8928,7 +9012,7 @@
             </p:txBody>
           </p:sp>
         </mc:Choice>
-        <mc:Fallback>
+        <mc:Fallback xmlns="">
           <p:sp>
             <p:nvSpPr>
               <p:cNvPr id="8" name="TextBox 7">
@@ -9530,7 +9614,7 @@
           <p:nvPr/>
         </p:nvPicPr>
         <p:blipFill>
-          <a:blip r:embed="rId2">
+          <a:blip r:embed="rId3">
             <a:extLst>
               <a:ext uri="{28A0092B-C50C-407E-A947-70E740481C1C}">
                 <a14:useLocalDpi xmlns:a14="http://schemas.microsoft.com/office/drawing/2010/main" val="0"/>
@@ -10164,8 +10248,8 @@
           </a:prstGeom>
         </p:spPr>
       </p:pic>
-      <mc:AlternateContent xmlns:mc="http://schemas.openxmlformats.org/markup-compatibility/2006" xmlns:a14="http://schemas.microsoft.com/office/drawing/2010/main">
-        <mc:Choice Requires="a14">
+      <mc:AlternateContent xmlns:mc="http://schemas.openxmlformats.org/markup-compatibility/2006">
+        <mc:Choice xmlns:a14="http://schemas.microsoft.com/office/drawing/2010/main" Requires="a14">
           <p:sp>
             <p:nvSpPr>
               <p:cNvPr id="12" name="TextBox 11">
@@ -10413,7 +10497,7 @@
             </p:txBody>
           </p:sp>
         </mc:Choice>
-        <mc:Fallback xmlns="">
+        <mc:Fallback>
           <p:sp>
             <p:nvSpPr>
               <p:cNvPr id="12" name="TextBox 11">
@@ -10842,8 +10926,8 @@
           </a:p>
         </p:txBody>
       </p:sp>
-      <mc:AlternateContent xmlns:mc="http://schemas.openxmlformats.org/markup-compatibility/2006" xmlns:a14="http://schemas.microsoft.com/office/drawing/2010/main">
-        <mc:Choice Requires="a14">
+      <mc:AlternateContent xmlns:mc="http://schemas.openxmlformats.org/markup-compatibility/2006">
+        <mc:Choice xmlns:a14="http://schemas.microsoft.com/office/drawing/2010/main" Requires="a14">
           <p:sp>
             <p:nvSpPr>
               <p:cNvPr id="3" name="TextBox 2">
@@ -10966,7 +11050,7 @@
             </p:txBody>
           </p:sp>
         </mc:Choice>
-        <mc:Fallback xmlns="">
+        <mc:Fallback>
           <p:sp>
             <p:nvSpPr>
               <p:cNvPr id="3" name="TextBox 2">
@@ -13277,8 +13361,8 @@
           </p:sp>
         </mc:Fallback>
       </mc:AlternateContent>
-      <mc:AlternateContent xmlns:mc="http://schemas.openxmlformats.org/markup-compatibility/2006" xmlns:a14="http://schemas.microsoft.com/office/drawing/2010/main">
-        <mc:Choice Requires="a14">
+      <mc:AlternateContent xmlns:mc="http://schemas.openxmlformats.org/markup-compatibility/2006">
+        <mc:Choice xmlns:a14="http://schemas.microsoft.com/office/drawing/2010/main" Requires="a14">
           <p:sp>
             <p:nvSpPr>
               <p:cNvPr id="4" name="TextBox 3">
@@ -13442,7 +13526,7 @@
             </p:txBody>
           </p:sp>
         </mc:Choice>
-        <mc:Fallback xmlns="">
+        <mc:Fallback>
           <p:sp>
             <p:nvSpPr>
               <p:cNvPr id="4" name="TextBox 3">
@@ -16418,12 +16502,90 @@
           </a:prstGeom>
         </p:spPr>
       </p:pic>
+      <p:sp>
+        <p:nvSpPr>
+          <p:cNvPr id="16" name="TextBox 15">
+            <a:extLst>
+              <a:ext uri="{FF2B5EF4-FFF2-40B4-BE49-F238E27FC236}">
+                <a16:creationId xmlns:a16="http://schemas.microsoft.com/office/drawing/2014/main" id="{BF726B6B-0DF5-5356-781E-1213350562AB}"/>
+              </a:ext>
+            </a:extLst>
+          </p:cNvPr>
+          <p:cNvSpPr txBox="1"/>
+          <p:nvPr/>
+        </p:nvSpPr>
+        <p:spPr>
+          <a:xfrm>
+            <a:off x="4157248" y="4980104"/>
+            <a:ext cx="1726755" cy="369332"/>
+          </a:xfrm>
+          <a:prstGeom prst="rect">
+            <a:avLst/>
+          </a:prstGeom>
+          <a:noFill/>
+        </p:spPr>
+        <p:txBody>
+          <a:bodyPr wrap="none" rtlCol="0">
+            <a:spAutoFit/>
+          </a:bodyPr>
+          <a:lstStyle/>
+          <a:p>
+            <a:r>
+              <a:rPr lang="en-US" b="1" dirty="0">
+                <a:solidFill>
+                  <a:srgbClr val="0808FF"/>
+                </a:solidFill>
+              </a:rPr>
+              <a:t>Lagrange form</a:t>
+            </a:r>
+          </a:p>
+        </p:txBody>
+      </p:sp>
+      <p:sp>
+        <p:nvSpPr>
+          <p:cNvPr id="18" name="TextBox 17">
+            <a:extLst>
+              <a:ext uri="{FF2B5EF4-FFF2-40B4-BE49-F238E27FC236}">
+                <a16:creationId xmlns:a16="http://schemas.microsoft.com/office/drawing/2014/main" id="{872CCE42-51E2-0EA4-2FCB-1ECE0731D24B}"/>
+              </a:ext>
+            </a:extLst>
+          </p:cNvPr>
+          <p:cNvSpPr txBox="1"/>
+          <p:nvPr/>
+        </p:nvSpPr>
+        <p:spPr>
+          <a:xfrm>
+            <a:off x="9044934" y="5566673"/>
+            <a:ext cx="1782860" cy="369332"/>
+          </a:xfrm>
+          <a:prstGeom prst="rect">
+            <a:avLst/>
+          </a:prstGeom>
+          <a:noFill/>
+        </p:spPr>
+        <p:txBody>
+          <a:bodyPr wrap="none" rtlCol="0">
+            <a:spAutoFit/>
+          </a:bodyPr>
+          <a:lstStyle/>
+          <a:p>
+            <a:r>
+              <a:rPr lang="en-US" b="1" dirty="0">
+                <a:solidFill>
+                  <a:srgbClr val="FF0000"/>
+                </a:solidFill>
+              </a:rPr>
+              <a:t>Canonical form</a:t>
+            </a:r>
+          </a:p>
+        </p:txBody>
+      </p:sp>
       <p:pic>
         <p:nvPicPr>
-          <p:cNvPr id="13" name="Graphic 12">
-            <a:extLst>
-              <a:ext uri="{FF2B5EF4-FFF2-40B4-BE49-F238E27FC236}">
-                <a16:creationId xmlns:a16="http://schemas.microsoft.com/office/drawing/2014/main" id="{3F845859-7554-DDAB-9D14-002B71BAE905}"/>
+          <p:cNvPr id="20" name="Graphic 19">
+            <a:extLst>
+              <a:ext uri="{FF2B5EF4-FFF2-40B4-BE49-F238E27FC236}">
+                <a16:creationId xmlns:a16="http://schemas.microsoft.com/office/drawing/2014/main" id="{1AD077A8-F346-3513-A2B8-1E0A26F5C095}"/>
               </a:ext>
             </a:extLst>
           </p:cNvPr>
@@ -16446,92 +16608,14 @@
         </p:blipFill>
         <p:spPr>
           <a:xfrm>
-            <a:off x="1718519" y="4861035"/>
-            <a:ext cx="2182891" cy="628170"/>
+            <a:off x="1718519" y="4821119"/>
+            <a:ext cx="2340875" cy="673633"/>
           </a:xfrm>
           <a:prstGeom prst="rect">
             <a:avLst/>
           </a:prstGeom>
         </p:spPr>
       </p:pic>
-      <p:sp>
-        <p:nvSpPr>
-          <p:cNvPr id="16" name="TextBox 15">
-            <a:extLst>
-              <a:ext uri="{FF2B5EF4-FFF2-40B4-BE49-F238E27FC236}">
-                <a16:creationId xmlns:a16="http://schemas.microsoft.com/office/drawing/2014/main" id="{BF726B6B-0DF5-5356-781E-1213350562AB}"/>
-              </a:ext>
-            </a:extLst>
-          </p:cNvPr>
-          <p:cNvSpPr txBox="1"/>
-          <p:nvPr/>
-        </p:nvSpPr>
-        <p:spPr>
-          <a:xfrm>
-            <a:off x="4157248" y="4980104"/>
-            <a:ext cx="1726755" cy="369332"/>
-          </a:xfrm>
-          <a:prstGeom prst="rect">
-            <a:avLst/>
-          </a:prstGeom>
-          <a:noFill/>
-        </p:spPr>
-        <p:txBody>
-          <a:bodyPr wrap="none" rtlCol="0">
-            <a:spAutoFit/>
-          </a:bodyPr>
-          <a:lstStyle/>
-          <a:p>
-            <a:r>
-              <a:rPr lang="en-US" b="1" dirty="0">
-                <a:solidFill>
-                  <a:srgbClr val="0808FF"/>
-                </a:solidFill>
-              </a:rPr>
-              <a:t>Lagrange form</a:t>
-            </a:r>
-          </a:p>
-        </p:txBody>
-      </p:sp>
-      <p:sp>
-        <p:nvSpPr>
-          <p:cNvPr id="18" name="TextBox 17">
-            <a:extLst>
-              <a:ext uri="{FF2B5EF4-FFF2-40B4-BE49-F238E27FC236}">
-                <a16:creationId xmlns:a16="http://schemas.microsoft.com/office/drawing/2014/main" id="{872CCE42-51E2-0EA4-2FCB-1ECE0731D24B}"/>
-              </a:ext>
-            </a:extLst>
-          </p:cNvPr>
-          <p:cNvSpPr txBox="1"/>
-          <p:nvPr/>
-        </p:nvSpPr>
-        <p:spPr>
-          <a:xfrm>
-            <a:off x="9044934" y="5566673"/>
-            <a:ext cx="1782860" cy="369332"/>
-          </a:xfrm>
-          <a:prstGeom prst="rect">
-            <a:avLst/>
-          </a:prstGeom>
-          <a:noFill/>
-        </p:spPr>
-        <p:txBody>
-          <a:bodyPr wrap="none" rtlCol="0">
-            <a:spAutoFit/>
-          </a:bodyPr>
-          <a:lstStyle/>
-          <a:p>
-            <a:r>
-              <a:rPr lang="en-US" b="1" dirty="0">
-                <a:solidFill>
-                  <a:srgbClr val="FF0000"/>
-                </a:solidFill>
-              </a:rPr>
-              <a:t>Canonical form</a:t>
-            </a:r>
-          </a:p>
-        </p:txBody>
-      </p:sp>
     </p:spTree>
     <p:extLst>
       <p:ext uri="{BB962C8B-B14F-4D97-AF65-F5344CB8AC3E}">
